--- a/PPT/c++实践练习.pptx
+++ b/PPT/c++实践练习.pptx
@@ -3386,7 +3386,7 @@
         <p:spPr bwMode="auto">
           <a:xfrm>
             <a:off x="4473575" y="2787650"/>
-            <a:ext cx="4202113" cy="336550"/>
+            <a:ext cx="4202113" cy="336695"/>
           </a:xfrm>
           <a:prstGeom prst="rect">
             <a:avLst/>
@@ -3542,20 +3542,12 @@
               </a:lnSpc>
             </a:pPr>
             <a:r>
-              <a:rPr lang="zh-CN" altLang="en-US" sz="1200">
-                <a:solidFill>
-                  <a:srgbClr val="7F7F7F"/>
-                </a:solidFill>
-                <a:latin typeface="微软雅黑" panose="020B0503020204020204" pitchFamily="34" charset="-122"/>
-                <a:ea typeface="微软雅黑" panose="020B0503020204020204" pitchFamily="34" charset="-122"/>
-                <a:sym typeface="微软雅黑" panose="020B0503020204020204" pitchFamily="34" charset="-122"/>
-              </a:rPr>
-              <a:t>讲师的</a:t>
-            </a:r>
-            <a:r>
-              <a:rPr lang="en-US" altLang="zh-CN" sz="1200">
-                <a:solidFill>
-                  <a:srgbClr val="7F7F7F"/>
+              <a:rPr lang="en-US" altLang="zh-CN" sz="1200" dirty="0">
+                <a:solidFill>
+                  <a:schemeClr val="tx1">
+                    <a:lumMod val="65000"/>
+                    <a:lumOff val="35000"/>
+                  </a:schemeClr>
                 </a:solidFill>
                 <a:latin typeface="微软雅黑" panose="020B0503020204020204" pitchFamily="34" charset="-122"/>
                 <a:ea typeface="微软雅黑" panose="020B0503020204020204" pitchFamily="34" charset="-122"/>
@@ -3564,9 +3556,12 @@
               <a:t>CSDN</a:t>
             </a:r>
             <a:r>
-              <a:rPr lang="zh-CN" altLang="en-US" sz="1200">
-                <a:solidFill>
-                  <a:srgbClr val="7F7F7F"/>
+              <a:rPr lang="zh-CN" altLang="en-US" sz="1200" dirty="0">
+                <a:solidFill>
+                  <a:schemeClr val="tx1">
+                    <a:lumMod val="65000"/>
+                    <a:lumOff val="35000"/>
+                  </a:schemeClr>
                 </a:solidFill>
                 <a:latin typeface="微软雅黑" panose="020B0503020204020204" pitchFamily="34" charset="-122"/>
                 <a:ea typeface="微软雅黑" panose="020B0503020204020204" pitchFamily="34" charset="-122"/>
@@ -3574,9 +3569,12 @@
               </a:rPr>
               <a:t>博客地址</a:t>
             </a:r>
-            <a:endParaRPr lang="en-US" altLang="zh-CN" sz="1200">
+            <a:endParaRPr lang="en-US" altLang="zh-CN" sz="1200" dirty="0">
               <a:solidFill>
-                <a:srgbClr val="7F7F7F"/>
+                <a:schemeClr val="tx1">
+                  <a:lumMod val="65000"/>
+                  <a:lumOff val="35000"/>
+                </a:schemeClr>
               </a:solidFill>
               <a:latin typeface="微软雅黑" panose="020B0503020204020204" pitchFamily="34" charset="-122"/>
               <a:ea typeface="微软雅黑" panose="020B0503020204020204" pitchFamily="34" charset="-122"/>
@@ -3772,8 +3770,8 @@
         </p:nvSpPr>
         <p:spPr bwMode="auto">
           <a:xfrm>
-            <a:off x="4827588" y="2097088"/>
-            <a:ext cx="2470150" cy="738187"/>
+            <a:off x="4828318" y="2097088"/>
+            <a:ext cx="2468689" cy="700576"/>
           </a:xfrm>
           <a:prstGeom prst="rect">
             <a:avLst/>
@@ -3923,13 +3921,13 @@
             </a:lvl9pPr>
           </a:lstStyle>
           <a:p>
-            <a:pPr eaLnBrk="1" hangingPunct="1">
+            <a:pPr algn="ctr" eaLnBrk="1" hangingPunct="1">
               <a:lnSpc>
                 <a:spcPct val="150000"/>
               </a:lnSpc>
             </a:pPr>
             <a:r>
-              <a:rPr lang="zh-CN" altLang="en-US" sz="1400">
+              <a:rPr lang="zh-CN" altLang="en-US" sz="1400" dirty="0">
                 <a:solidFill>
                   <a:schemeClr val="bg1"/>
                 </a:solidFill>
@@ -3939,7 +3937,7 @@
               </a:rPr>
               <a:t>张  赐</a:t>
             </a:r>
-            <a:endParaRPr lang="en-US" altLang="zh-CN" sz="1400">
+            <a:endParaRPr lang="en-US" altLang="zh-CN" sz="1400" dirty="0">
               <a:solidFill>
                 <a:schemeClr val="bg1"/>
               </a:solidFill>
@@ -3955,7 +3953,7 @@
               </a:lnSpc>
             </a:pPr>
             <a:r>
-              <a:rPr lang="en-US" altLang="zh-CN" sz="1400">
+              <a:rPr lang="en-US" altLang="zh-CN" sz="1400" dirty="0">
                 <a:solidFill>
                   <a:schemeClr val="bg1"/>
                 </a:solidFill>
@@ -4139,7 +4137,10 @@
             <a:r>
               <a:rPr lang="en-US" altLang="zh-CN" sz="1200">
                 <a:solidFill>
-                  <a:srgbClr val="A5A5A5"/>
+                  <a:schemeClr val="tx1">
+                    <a:lumMod val="65000"/>
+                    <a:lumOff val="35000"/>
+                  </a:schemeClr>
                 </a:solidFill>
                 <a:latin typeface="微软雅黑" panose="020B0503020204020204" pitchFamily="34" charset="-122"/>
                 <a:ea typeface="微软雅黑" panose="020B0503020204020204" pitchFamily="34" charset="-122"/>
@@ -4149,7 +4150,10 @@
             </a:r>
             <a:endParaRPr lang="zh-CN" altLang="en-US" sz="1200">
               <a:solidFill>
-                <a:srgbClr val="A5A5A5"/>
+                <a:schemeClr val="tx1">
+                  <a:lumMod val="65000"/>
+                  <a:lumOff val="35000"/>
+                </a:schemeClr>
               </a:solidFill>
               <a:latin typeface="微软雅黑" panose="020B0503020204020204" pitchFamily="34" charset="-122"/>
               <a:ea typeface="微软雅黑" panose="020B0503020204020204" pitchFamily="34" charset="-122"/>
@@ -4606,7 +4610,7 @@
                 <a:latin typeface="微软雅黑 Light" panose="020B0502040204020203" pitchFamily="34" charset="-122"/>
                 <a:ea typeface="微软雅黑 Light" panose="020B0502040204020203" pitchFamily="34" charset="-122"/>
               </a:rPr>
-              <a:t>向量类</a:t>
+              <a:t>创建向量类</a:t>
             </a:r>
             <a:endParaRPr lang="en-US" altLang="zh-CN" sz="2800" dirty="0">
               <a:solidFill>
@@ -4637,7 +4641,7 @@
                 <a:latin typeface="微软雅黑 Light" panose="020B0502040204020203" pitchFamily="34" charset="-122"/>
                 <a:ea typeface="微软雅黑 Light" panose="020B0502040204020203" pitchFamily="34" charset="-122"/>
               </a:rPr>
-              <a:t>向量间的加减运算</a:t>
+              <a:t>实现向量间的加减运算</a:t>
             </a:r>
             <a:endParaRPr lang="en-US" altLang="zh-CN" sz="2800" dirty="0">
               <a:solidFill>
@@ -4668,7 +4672,7 @@
                 <a:latin typeface="微软雅黑 Light" panose="020B0502040204020203" pitchFamily="34" charset="-122"/>
                 <a:ea typeface="微软雅黑 Light" panose="020B0502040204020203" pitchFamily="34" charset="-122"/>
               </a:rPr>
-              <a:t>向量与标量的乘除运算</a:t>
+              <a:t>实现向量与标量的乘除运算</a:t>
             </a:r>
             <a:endParaRPr lang="en-US" altLang="zh-CN" sz="2800" dirty="0">
               <a:solidFill>
